--- a/docs/assets/Mocks et Stub.pptx
+++ b/docs/assets/Mocks et Stub.pptx
@@ -12,18 +12,17 @@
     <p:sldId id="258" r:id="rId6"/>
     <p:sldId id="319" r:id="rId7"/>
     <p:sldId id="259" r:id="rId8"/>
-    <p:sldId id="260" r:id="rId9"/>
-    <p:sldId id="264" r:id="rId10"/>
-    <p:sldId id="320" r:id="rId11"/>
-    <p:sldId id="321" r:id="rId12"/>
-    <p:sldId id="298" r:id="rId13"/>
-    <p:sldId id="322" r:id="rId14"/>
-    <p:sldId id="301" r:id="rId15"/>
-    <p:sldId id="300" r:id="rId16"/>
-    <p:sldId id="302" r:id="rId17"/>
-    <p:sldId id="303" r:id="rId18"/>
-    <p:sldId id="304" r:id="rId19"/>
-    <p:sldId id="323" r:id="rId20"/>
+    <p:sldId id="264" r:id="rId9"/>
+    <p:sldId id="320" r:id="rId10"/>
+    <p:sldId id="321" r:id="rId11"/>
+    <p:sldId id="298" r:id="rId12"/>
+    <p:sldId id="322" r:id="rId13"/>
+    <p:sldId id="301" r:id="rId14"/>
+    <p:sldId id="300" r:id="rId15"/>
+    <p:sldId id="302" r:id="rId16"/>
+    <p:sldId id="303" r:id="rId17"/>
+    <p:sldId id="304" r:id="rId18"/>
+    <p:sldId id="323" r:id="rId19"/>
   </p:sldIdLst>
   <p:sldSz cx="12192000" cy="6858000"/>
   <p:notesSz cx="6858000" cy="9144000"/>
@@ -142,7 +141,6 @@
             <p14:sldId id="258"/>
             <p14:sldId id="319"/>
             <p14:sldId id="259"/>
-            <p14:sldId id="260"/>
           </p14:sldIdLst>
         </p14:section>
         <p14:section name="Moq" id="{2A7DFA79-7D3C-B74E-83CC-7AAB84305BBD}">
@@ -264,7 +262,7 @@
           <a:effectLst/>
           <a:extLst>
             <a:ext uri="{91240B29-F687-4f45-9708-019B960494DF}">
-              <a14:hiddenLine xmlns:a14="http://schemas.microsoft.com/office/drawing/2010/main" xmlns="" w="9525">
+              <a14:hiddenLine xmlns="" xmlns:a14="http://schemas.microsoft.com/office/drawing/2010/main" w="9525">
                 <a:solidFill>
                   <a:srgbClr val="000000"/>
                 </a:solidFill>
@@ -457,7 +455,7 @@
             <a:fld id="{08B9EBBA-996F-894A-B54A-D6246ED52CEA}" type="datetimeFigureOut">
               <a:rPr lang="en-US" smtClean="0"/>
               <a:pPr/>
-              <a:t>10/31/23</a:t>
+              <a:t>11/1/23</a:t>
             </a:fld>
             <a:endParaRPr lang="en-US" dirty="0"/>
           </a:p>
@@ -777,7 +775,7 @@
             <a:fld id="{18C79C5D-2A6F-F04D-97DA-BEF2467B64E4}" type="datetimeFigureOut">
               <a:rPr lang="en-US" smtClean="0"/>
               <a:pPr/>
-              <a:t>10/31/23</a:t>
+              <a:t>11/1/23</a:t>
             </a:fld>
             <a:endParaRPr lang="en-US" dirty="0"/>
           </a:p>
@@ -1267,7 +1265,7 @@
             <a:fld id="{8DFA1846-DA80-1C48-A609-854EA85C59AD}" type="datetimeFigureOut">
               <a:rPr lang="en-US" smtClean="0"/>
               <a:pPr/>
-              <a:t>10/31/23</a:t>
+              <a:t>11/1/23</a:t>
             </a:fld>
             <a:endParaRPr lang="en-US" dirty="0"/>
           </a:p>
@@ -1638,7 +1636,7 @@
             <a:fld id="{FBF54567-0DE4-3F47-BF90-CB84690072F9}" type="datetimeFigureOut">
               <a:rPr lang="en-US" smtClean="0"/>
               <a:pPr/>
-              <a:t>10/31/23</a:t>
+              <a:t>11/1/23</a:t>
             </a:fld>
             <a:endParaRPr lang="en-US" dirty="0"/>
           </a:p>
@@ -1794,7 +1792,7 @@
           <a:ln/>
           <a:extLst>
             <a:ext uri="{91240B29-F687-4f45-9708-019B960494DF}">
-              <a14:hiddenLine xmlns:a14="http://schemas.microsoft.com/office/drawing/2010/main" xmlns="" w="9525">
+              <a14:hiddenLine xmlns="" xmlns:a14="http://schemas.microsoft.com/office/drawing/2010/main" w="9525">
                 <a:solidFill>
                   <a:srgbClr val="000000"/>
                 </a:solidFill>
@@ -1913,7 +1911,7 @@
             <a:fld id="{C6C52C72-DE31-F449-A4ED-4C594FD91407}" type="datetimeFigureOut">
               <a:rPr lang="en-US" smtClean="0"/>
               <a:pPr/>
-              <a:t>10/31/23</a:t>
+              <a:t>11/1/23</a:t>
             </a:fld>
             <a:endParaRPr lang="en-US" dirty="0"/>
           </a:p>
@@ -2071,7 +2069,7 @@
           <a:ln/>
           <a:extLst>
             <a:ext uri="{91240B29-F687-4f45-9708-019B960494DF}">
-              <a14:hiddenLine xmlns:a14="http://schemas.microsoft.com/office/drawing/2010/main" xmlns="" w="9525">
+              <a14:hiddenLine xmlns="" xmlns:a14="http://schemas.microsoft.com/office/drawing/2010/main" w="9525">
                 <a:solidFill>
                   <a:srgbClr val="000000"/>
                 </a:solidFill>
@@ -2200,7 +2198,7 @@
             <a:fld id="{ED62726E-379B-B349-9EED-81ED093FA806}" type="datetimeFigureOut">
               <a:rPr lang="en-US" smtClean="0"/>
               <a:pPr/>
-              <a:t>10/31/23</a:t>
+              <a:t>11/1/23</a:t>
             </a:fld>
             <a:endParaRPr lang="en-US" dirty="0"/>
           </a:p>
@@ -2356,7 +2354,7 @@
           <a:ln/>
           <a:extLst>
             <a:ext uri="{91240B29-F687-4f45-9708-019B960494DF}">
-              <a14:hiddenLine xmlns:a14="http://schemas.microsoft.com/office/drawing/2010/main" xmlns="" w="9525">
+              <a14:hiddenLine xmlns="" xmlns:a14="http://schemas.microsoft.com/office/drawing/2010/main" w="9525">
                 <a:solidFill>
                   <a:srgbClr val="000000"/>
                 </a:solidFill>
@@ -2485,7 +2483,7 @@
             <a:fld id="{9B3A1323-8D79-1946-B0D7-40001CF92E9D}" type="datetimeFigureOut">
               <a:rPr lang="en-US" smtClean="0"/>
               <a:pPr/>
-              <a:t>10/31/23</a:t>
+              <a:t>11/1/23</a:t>
             </a:fld>
             <a:endParaRPr lang="en-US" dirty="0"/>
           </a:p>
@@ -2830,7 +2828,7 @@
             <a:fld id="{8DFA1846-DA80-1C48-A609-854EA85C59AD}" type="datetimeFigureOut">
               <a:rPr lang="en-US" smtClean="0"/>
               <a:pPr/>
-              <a:t>10/31/23</a:t>
+              <a:t>11/1/23</a:t>
             </a:fld>
             <a:endParaRPr lang="en-US" dirty="0"/>
           </a:p>
@@ -2986,7 +2984,7 @@
           <a:ln/>
           <a:extLst>
             <a:ext uri="{91240B29-F687-4f45-9708-019B960494DF}">
-              <a14:hiddenLine xmlns:a14="http://schemas.microsoft.com/office/drawing/2010/main" xmlns="" w="9525">
+              <a14:hiddenLine xmlns="" xmlns:a14="http://schemas.microsoft.com/office/drawing/2010/main" w="9525">
                 <a:solidFill>
                   <a:srgbClr val="000000"/>
                 </a:solidFill>
@@ -3171,7 +3169,7 @@
             <a:fld id="{57302355-E14B-8545-A8F8-0FE83CC9D524}" type="datetimeFigureOut">
               <a:rPr lang="en-US" smtClean="0"/>
               <a:pPr/>
-              <a:t>10/31/23</a:t>
+              <a:t>11/1/23</a:t>
             </a:fld>
             <a:endParaRPr lang="en-US" dirty="0"/>
           </a:p>
@@ -3327,7 +3325,7 @@
           <a:ln/>
           <a:extLst>
             <a:ext uri="{91240B29-F687-4f45-9708-019B960494DF}">
-              <a14:hiddenLine xmlns:a14="http://schemas.microsoft.com/office/drawing/2010/main" xmlns="" w="9525">
+              <a14:hiddenLine xmlns="" xmlns:a14="http://schemas.microsoft.com/office/drawing/2010/main" w="9525">
                 <a:solidFill>
                   <a:srgbClr val="000000"/>
                 </a:solidFill>
@@ -3650,7 +3648,7 @@
             <a:fld id="{02640F58-564D-2B4F-AE67-E407BA4FCF45}" type="datetimeFigureOut">
               <a:rPr lang="en-US" smtClean="0"/>
               <a:pPr/>
-              <a:t>10/31/23</a:t>
+              <a:t>11/1/23</a:t>
             </a:fld>
             <a:endParaRPr lang="en-US" dirty="0"/>
           </a:p>
@@ -3806,7 +3804,7 @@
           <a:ln/>
           <a:extLst>
             <a:ext uri="{91240B29-F687-4f45-9708-019B960494DF}">
-              <a14:hiddenLine xmlns:a14="http://schemas.microsoft.com/office/drawing/2010/main" xmlns="" w="9525">
+              <a14:hiddenLine xmlns="" xmlns:a14="http://schemas.microsoft.com/office/drawing/2010/main" w="9525">
                 <a:solidFill>
                   <a:srgbClr val="000000"/>
                 </a:solidFill>
@@ -3873,7 +3871,7 @@
             <a:fld id="{F13A34C8-038E-2045-AF43-DF7DBB8E0E9E}" type="datetimeFigureOut">
               <a:rPr lang="en-US" smtClean="0"/>
               <a:pPr/>
-              <a:t>10/31/23</a:t>
+              <a:t>11/1/23</a:t>
             </a:fld>
             <a:endParaRPr lang="en-US" dirty="0"/>
           </a:p>
@@ -3970,7 +3968,7 @@
             <a:fld id="{8818C68F-D26B-8F47-958C-23B49CF8A634}" type="datetimeFigureOut">
               <a:rPr lang="en-US" smtClean="0"/>
               <a:pPr/>
-              <a:t>10/31/23</a:t>
+              <a:t>11/1/23</a:t>
             </a:fld>
             <a:endParaRPr lang="en-US" dirty="0"/>
           </a:p>
@@ -4239,7 +4237,7 @@
           <a:ln/>
           <a:extLst>
             <a:ext uri="{91240B29-F687-4f45-9708-019B960494DF}">
-              <a14:hiddenLine xmlns:a14="http://schemas.microsoft.com/office/drawing/2010/main" xmlns="" w="9525">
+              <a14:hiddenLine xmlns="" xmlns:a14="http://schemas.microsoft.com/office/drawing/2010/main" w="9525">
                 <a:solidFill>
                   <a:srgbClr val="000000"/>
                 </a:solidFill>
@@ -4439,7 +4437,7 @@
             <a:fld id="{D0DF5E60-9974-AC48-9591-99C2BB44B7CF}" type="datetimeFigureOut">
               <a:rPr lang="en-US" smtClean="0"/>
               <a:pPr/>
-              <a:t>10/31/23</a:t>
+              <a:t>11/1/23</a:t>
             </a:fld>
             <a:endParaRPr lang="en-US" dirty="0"/>
           </a:p>
@@ -4754,7 +4752,7 @@
             <a:fld id="{18C79C5D-2A6F-F04D-97DA-BEF2467B64E4}" type="datetimeFigureOut">
               <a:rPr lang="en-US" smtClean="0"/>
               <a:pPr/>
-              <a:t>10/31/23</a:t>
+              <a:t>11/1/23</a:t>
             </a:fld>
             <a:endParaRPr lang="en-US" dirty="0"/>
           </a:p>
@@ -5026,7 +5024,7 @@
             <a:fld id="{09B482E8-6E0E-1B4F-B1FD-C69DB9E858D9}" type="datetimeFigureOut">
               <a:rPr lang="en-US" smtClean="0"/>
               <a:pPr/>
-              <a:t>10/31/23</a:t>
+              <a:t>11/1/23</a:t>
             </a:fld>
             <a:endParaRPr lang="en-US" dirty="0"/>
           </a:p>
@@ -5586,7 +5584,7 @@
             </a:r>
             <a:r>
               <a:rPr lang="fr-CA" dirty="0"/>
-              <a:t> - Création</a:t>
+              <a:t> - Configuration</a:t>
             </a:r>
           </a:p>
         </p:txBody>
@@ -5613,77 +5611,15 @@
           <a:p>
             <a:r>
               <a:rPr lang="fr-CA" dirty="0"/>
-              <a:t>Créer un </a:t>
+              <a:t>Pour que </a:t>
             </a:r>
             <a:r>
               <a:rPr lang="fr-CA" dirty="0" err="1"/>
-              <a:t>mock</a:t>
-            </a:r>
-            <a:endParaRPr lang="fr-CA" dirty="0"/>
-          </a:p>
-          <a:p>
-            <a:pPr marL="0" indent="0">
-              <a:buNone/>
-            </a:pPr>
-            <a:r>
-              <a:rPr lang="fr-CA" dirty="0" err="1"/>
-              <a:t>Mock</a:t>
-            </a:r>
-            <a:r>
-              <a:rPr lang="fr-CA" dirty="0"/>
-              <a:t>&lt;</a:t>
-            </a:r>
-            <a:r>
-              <a:rPr lang="fr-CA" dirty="0" err="1"/>
-              <a:t>UsersService</a:t>
-            </a:r>
-            <a:r>
-              <a:rPr lang="fr-CA" dirty="0"/>
-              <a:t>&gt; </a:t>
-            </a:r>
-            <a:r>
-              <a:rPr lang="fr-CA" dirty="0" err="1"/>
-              <a:t>usersServiceMock</a:t>
-            </a:r>
-            <a:r>
-              <a:rPr lang="fr-CA" dirty="0"/>
-              <a:t> = new </a:t>
-            </a:r>
-            <a:r>
-              <a:rPr lang="fr-CA" dirty="0" err="1"/>
-              <a:t>Mock</a:t>
-            </a:r>
-            <a:r>
-              <a:rPr lang="fr-CA" dirty="0"/>
-              <a:t>&lt;</a:t>
-            </a:r>
-            <a:r>
-              <a:rPr lang="fr-CA" dirty="0" err="1"/>
-              <a:t>UsersService</a:t>
-            </a:r>
-            <a:r>
-              <a:rPr lang="fr-CA" dirty="0"/>
-              <a:t>&gt;();</a:t>
-            </a:r>
-          </a:p>
-          <a:p>
-            <a:r>
-              <a:rPr lang="fr-CA" dirty="0"/>
-              <a:t>Nous aurons donc un faux service qu’on pourra configurer</a:t>
-            </a:r>
-          </a:p>
-          <a:p>
-            <a:r>
-              <a:rPr lang="fr-CA" dirty="0"/>
-              <a:t>L’option </a:t>
-            </a:r>
-            <a:r>
-              <a:rPr lang="fr-CA" dirty="0" err="1"/>
-              <a:t>Callbase</a:t>
-            </a:r>
-            <a:r>
-              <a:rPr lang="fr-CA" dirty="0"/>
-              <a:t> permet de </a:t>
+              <a:t>moq</a:t>
+            </a:r>
+            <a:r>
+              <a:rPr lang="fr-CA" dirty="0"/>
+              <a:t> puisse « </a:t>
             </a:r>
             <a:r>
               <a:rPr lang="fr-CA" dirty="0" err="1"/>
@@ -5691,62 +5627,30 @@
             </a:r>
             <a:r>
               <a:rPr lang="fr-CA" dirty="0"/>
-              <a:t> seulement une partie une partie de l’objet et d’utiliser le code original pour tout le temps</a:t>
-            </a:r>
-          </a:p>
-          <a:p>
-            <a:pPr marL="0" indent="0">
-              <a:buNone/>
-            </a:pPr>
-            <a:r>
-              <a:rPr lang="en-US" dirty="0"/>
-              <a:t>Mock&lt;</a:t>
-            </a:r>
-            <a:r>
-              <a:rPr lang="en-US" dirty="0" err="1"/>
-              <a:t>TripsController</a:t>
-            </a:r>
-            <a:r>
-              <a:rPr lang="en-US" dirty="0"/>
-              <a:t>&gt; </a:t>
-            </a:r>
-            <a:r>
-              <a:rPr lang="en-US" dirty="0" err="1"/>
-              <a:t>tripsControllerMock</a:t>
-            </a:r>
-            <a:r>
-              <a:rPr lang="en-US" dirty="0"/>
-              <a:t> = new Mock&lt;</a:t>
-            </a:r>
-            <a:r>
-              <a:rPr lang="en-US" dirty="0" err="1"/>
-              <a:t>TripsController</a:t>
-            </a:r>
-            <a:r>
-              <a:rPr lang="en-US" dirty="0"/>
-              <a:t>&gt;() { </a:t>
-            </a:r>
-            <a:r>
-              <a:rPr lang="en-US" dirty="0" err="1"/>
-              <a:t>CallBase</a:t>
-            </a:r>
-            <a:r>
-              <a:rPr lang="en-US" dirty="0"/>
-              <a:t> = true };</a:t>
-            </a:r>
-          </a:p>
-          <a:p>
-            <a:r>
-              <a:rPr lang="fr-CA" dirty="0"/>
-              <a:t>Nous pourrons ainsi utiliser des </a:t>
+              <a:t> » (simuler) une méthode ou une propriété, celle-ci doit absolument être </a:t>
             </a:r>
             <a:r>
               <a:rPr lang="fr-CA" dirty="0" err="1"/>
-              <a:t>mocks</a:t>
-            </a:r>
-            <a:r>
-              <a:rPr lang="fr-CA" dirty="0"/>
-              <a:t> avec les services du contrôleur, mais appel les vrai actions de l’objet</a:t>
+              <a:t>virtual</a:t>
+            </a:r>
+            <a:endParaRPr lang="fr-CA" dirty="0"/>
+          </a:p>
+          <a:p>
+            <a:r>
+              <a:rPr lang="fr-CA" dirty="0" err="1"/>
+              <a:t>Moq</a:t>
+            </a:r>
+            <a:r>
+              <a:rPr lang="fr-CA" dirty="0"/>
+              <a:t> fait des </a:t>
+            </a:r>
+            <a:r>
+              <a:rPr lang="fr-CA" dirty="0" err="1"/>
+              <a:t>override</a:t>
+            </a:r>
+            <a:r>
+              <a:rPr lang="fr-CA" dirty="0"/>
+              <a:t> sur nos méthodes et propriétés</a:t>
             </a:r>
           </a:p>
         </p:txBody>
@@ -5754,7 +5658,7 @@
     </p:spTree>
     <p:extLst>
       <p:ext uri="{BB962C8B-B14F-4D97-AF65-F5344CB8AC3E}">
-        <p14:creationId xmlns:p14="http://schemas.microsoft.com/office/powerpoint/2010/main" val="636374389"/>
+        <p14:creationId xmlns:p14="http://schemas.microsoft.com/office/powerpoint/2010/main" val="4278006743"/>
       </p:ext>
     </p:extLst>
   </p:cSld>
@@ -5832,54 +5736,68 @@
           <a:p>
             <a:r>
               <a:rPr lang="fr-CA" dirty="0"/>
-              <a:t>Pour que </a:t>
-            </a:r>
-            <a:r>
-              <a:rPr lang="fr-CA" dirty="0" err="1"/>
-              <a:t>moq</a:t>
-            </a:r>
-            <a:r>
-              <a:rPr lang="fr-CA" dirty="0"/>
-              <a:t> puisse « </a:t>
-            </a:r>
-            <a:r>
-              <a:rPr lang="fr-CA" dirty="0" err="1"/>
-              <a:t>mocker</a:t>
-            </a:r>
-            <a:r>
-              <a:rPr lang="fr-CA" dirty="0"/>
-              <a:t> » (simuler) une méthode ou une propriété, celle-ci doit absolument être </a:t>
-            </a:r>
-            <a:r>
-              <a:rPr lang="fr-CA" dirty="0" err="1"/>
-              <a:t>virtual</a:t>
+              <a:t>Pour configurer une méthode ou une propriété, on utilise .Setup</a:t>
+            </a:r>
+          </a:p>
+          <a:p>
+            <a:r>
+              <a:rPr lang="en-US" dirty="0" err="1"/>
+              <a:t>Méthodes</a:t>
+            </a:r>
+            <a:endParaRPr lang="en-US" dirty="0"/>
+          </a:p>
+          <a:p>
+            <a:pPr lvl="1"/>
+            <a:r>
+              <a:rPr lang="en-US" dirty="0" err="1"/>
+              <a:t>mock.Setup</a:t>
+            </a:r>
+            <a:r>
+              <a:rPr lang="en-US" dirty="0"/>
+              <a:t>(foo =&gt; </a:t>
+            </a:r>
+            <a:r>
+              <a:rPr lang="en-US" dirty="0" err="1"/>
+              <a:t>foo.DoSomething</a:t>
+            </a:r>
+            <a:r>
+              <a:rPr lang="en-US" dirty="0"/>
+              <a:t>("ping")).Returns(true);</a:t>
+            </a:r>
+          </a:p>
+          <a:p>
+            <a:r>
+              <a:rPr lang="en-US" dirty="0" err="1"/>
+              <a:t>Propriétés</a:t>
+            </a:r>
+            <a:endParaRPr lang="en-US" dirty="0"/>
+          </a:p>
+          <a:p>
+            <a:pPr lvl="1"/>
+            <a:r>
+              <a:rPr lang="en-US" dirty="0" err="1"/>
+              <a:t>mock.Setup</a:t>
+            </a:r>
+            <a:r>
+              <a:rPr lang="en-US" dirty="0"/>
+              <a:t>(foo =&gt; </a:t>
+            </a:r>
+            <a:r>
+              <a:rPr lang="en-US" dirty="0" err="1"/>
+              <a:t>foo.Name</a:t>
+            </a:r>
+            <a:r>
+              <a:rPr lang="en-US" dirty="0"/>
+              <a:t>).Returns("bar");</a:t>
             </a:r>
             <a:endParaRPr lang="fr-CA" dirty="0"/>
-          </a:p>
-          <a:p>
-            <a:r>
-              <a:rPr lang="fr-CA" dirty="0" err="1"/>
-              <a:t>Moq</a:t>
-            </a:r>
-            <a:r>
-              <a:rPr lang="fr-CA" dirty="0"/>
-              <a:t> fait des </a:t>
-            </a:r>
-            <a:r>
-              <a:rPr lang="fr-CA" dirty="0" err="1"/>
-              <a:t>override</a:t>
-            </a:r>
-            <a:r>
-              <a:rPr lang="fr-CA" dirty="0"/>
-              <a:t> sur nos méthodes et propriétés</a:t>
-            </a:r>
           </a:p>
         </p:txBody>
       </p:sp>
     </p:spTree>
     <p:extLst>
       <p:ext uri="{BB962C8B-B14F-4D97-AF65-F5344CB8AC3E}">
-        <p14:creationId xmlns:p14="http://schemas.microsoft.com/office/powerpoint/2010/main" val="4278006743"/>
+        <p14:creationId xmlns:p14="http://schemas.microsoft.com/office/powerpoint/2010/main" val="1614545592"/>
       </p:ext>
     </p:extLst>
   </p:cSld>
@@ -5957,18 +5875,27 @@
           <a:p>
             <a:r>
               <a:rPr lang="fr-CA" dirty="0"/>
-              <a:t>Pour configurer une méthode ou une propriété, on utilise .Setup</a:t>
+              <a:t>Il est possible de configurer les paramètres que notre méthode reçoit</a:t>
             </a:r>
           </a:p>
           <a:p>
             <a:r>
               <a:rPr lang="en-US" dirty="0" err="1"/>
-              <a:t>Méthodes</a:t>
+              <a:t>It.IsAny</a:t>
             </a:r>
             <a:endParaRPr lang="en-US" dirty="0"/>
           </a:p>
           <a:p>
             <a:pPr lvl="1"/>
+            <a:r>
+              <a:rPr lang="fr-FR" dirty="0"/>
+              <a:t>Exécute le return pour toutes les valeurs possibles</a:t>
+            </a:r>
+          </a:p>
+          <a:p>
+            <a:pPr marL="0" indent="0">
+              <a:buNone/>
+            </a:pPr>
             <a:r>
               <a:rPr lang="en-US" dirty="0" err="1"/>
               <a:t>mock.Setup</a:t>
@@ -5983,18 +5910,35 @@
             </a:r>
             <a:r>
               <a:rPr lang="en-US" dirty="0"/>
-              <a:t>("ping")).Returns(true);</a:t>
-            </a:r>
-          </a:p>
-          <a:p>
+              <a:t>(</a:t>
+            </a:r>
             <a:r>
               <a:rPr lang="en-US" dirty="0" err="1"/>
-              <a:t>Propriétés</a:t>
+              <a:t>It.IsAny</a:t>
+            </a:r>
+            <a:r>
+              <a:rPr lang="en-US" dirty="0"/>
+              <a:t>&lt;string&gt;())).Returns(true);</a:t>
+            </a:r>
+          </a:p>
+          <a:p>
+            <a:r>
+              <a:rPr lang="en-US" dirty="0" err="1"/>
+              <a:t>It.Is</a:t>
             </a:r>
             <a:endParaRPr lang="en-US" dirty="0"/>
           </a:p>
           <a:p>
             <a:pPr lvl="1"/>
+            <a:r>
+              <a:rPr lang="fr-FR" dirty="0"/>
+              <a:t>Permet de configurer une certaine plage de données</a:t>
+            </a:r>
+          </a:p>
+          <a:p>
+            <a:pPr marL="0" indent="0">
+              <a:buNone/>
+            </a:pPr>
             <a:r>
               <a:rPr lang="en-US" dirty="0" err="1"/>
               <a:t>mock.Setup</a:t>
@@ -6005,20 +5949,43 @@
             </a:r>
             <a:r>
               <a:rPr lang="en-US" dirty="0" err="1"/>
-              <a:t>foo.Name</a:t>
+              <a:t>foo.Add</a:t>
             </a:r>
             <a:r>
               <a:rPr lang="en-US" dirty="0"/>
-              <a:t>).Returns("bar");</a:t>
-            </a:r>
-            <a:endParaRPr lang="fr-CA" dirty="0"/>
+              <a:t>(</a:t>
+            </a:r>
+            <a:r>
+              <a:rPr lang="en-US" dirty="0" err="1"/>
+              <a:t>It.Is</a:t>
+            </a:r>
+            <a:r>
+              <a:rPr lang="en-US" dirty="0"/>
+              <a:t>&lt;int&gt;(</a:t>
+            </a:r>
+            <a:r>
+              <a:rPr lang="en-US" dirty="0" err="1"/>
+              <a:t>i</a:t>
+            </a:r>
+            <a:r>
+              <a:rPr lang="en-US" dirty="0"/>
+              <a:t> =&gt; </a:t>
+            </a:r>
+            <a:r>
+              <a:rPr lang="en-US" dirty="0" err="1"/>
+              <a:t>i</a:t>
+            </a:r>
+            <a:r>
+              <a:rPr lang="en-US" dirty="0"/>
+              <a:t> % 2 == 0))).Returns(true);</a:t>
+            </a:r>
           </a:p>
         </p:txBody>
       </p:sp>
     </p:spTree>
     <p:extLst>
       <p:ext uri="{BB962C8B-B14F-4D97-AF65-F5344CB8AC3E}">
-        <p14:creationId xmlns:p14="http://schemas.microsoft.com/office/powerpoint/2010/main" val="1614545592"/>
+        <p14:creationId xmlns:p14="http://schemas.microsoft.com/office/powerpoint/2010/main" val="1172438509"/>
       </p:ext>
     </p:extLst>
   </p:cSld>
@@ -6096,162 +6063,84 @@
           <a:p>
             <a:r>
               <a:rPr lang="fr-CA" dirty="0"/>
-              <a:t>Il est possible de configurer les paramètres que notre méthode reçoit</a:t>
-            </a:r>
-          </a:p>
-          <a:p>
-            <a:r>
-              <a:rPr lang="en-US" dirty="0" err="1"/>
+              <a:t>Pour une fonction qui retourne </a:t>
+            </a:r>
+            <a:r>
+              <a:rPr lang="fr-CA" dirty="0" err="1"/>
+              <a:t>void</a:t>
+            </a:r>
+            <a:endParaRPr lang="fr-CA" dirty="0"/>
+          </a:p>
+          <a:p>
+            <a:r>
+              <a:rPr lang="fr-CA" dirty="0"/>
+              <a:t>Comme que le comportement par défaut est de rien faire lorsqu’un méthode de notre </a:t>
+            </a:r>
+            <a:r>
+              <a:rPr lang="fr-CA" dirty="0" err="1"/>
+              <a:t>mock</a:t>
+            </a:r>
+            <a:r>
+              <a:rPr lang="fr-CA" dirty="0"/>
+              <a:t> n’est pas configure, il n’est pas souvent nécessairement de configurer une méthode qui retourne </a:t>
+            </a:r>
+            <a:r>
+              <a:rPr lang="fr-CA" dirty="0" err="1"/>
+              <a:t>void</a:t>
+            </a:r>
+            <a:r>
+              <a:rPr lang="fr-CA" dirty="0"/>
+              <a:t> toutefois, c’est possible en utilisant .</a:t>
+            </a:r>
+            <a:r>
+              <a:rPr lang="fr-CA" dirty="0" err="1"/>
+              <a:t>Verifiable</a:t>
+            </a:r>
+            <a:endParaRPr lang="fr-CA" dirty="0"/>
+          </a:p>
+          <a:p>
+            <a:pPr marL="0" indent="0">
+              <a:buNone/>
+            </a:pPr>
+            <a:r>
+              <a:rPr lang="fr-CA" dirty="0" err="1"/>
+              <a:t>tripsServiceMock.Setup</a:t>
+            </a:r>
+            <a:r>
+              <a:rPr lang="fr-CA" dirty="0"/>
+              <a:t>(s =&gt; </a:t>
+            </a:r>
+            <a:r>
+              <a:rPr lang="fr-CA" dirty="0" err="1"/>
+              <a:t>s.Delete</a:t>
+            </a:r>
+            <a:r>
+              <a:rPr lang="fr-CA" dirty="0"/>
+              <a:t>(</a:t>
+            </a:r>
+            <a:r>
+              <a:rPr lang="fr-CA" dirty="0" err="1"/>
               <a:t>It.IsAny</a:t>
             </a:r>
-            <a:endParaRPr lang="en-US" dirty="0"/>
-          </a:p>
-          <a:p>
-            <a:pPr lvl="1"/>
-            <a:r>
-              <a:rPr lang="en-US" dirty="0" err="1"/>
-              <a:t>Exécute</a:t>
-            </a:r>
-            <a:r>
-              <a:rPr lang="en-US" dirty="0"/>
-              <a:t> le return pour </a:t>
-            </a:r>
-            <a:r>
-              <a:rPr lang="en-US" dirty="0" err="1"/>
-              <a:t>toutes</a:t>
-            </a:r>
-            <a:r>
-              <a:rPr lang="en-US" dirty="0"/>
-              <a:t> les </a:t>
-            </a:r>
-            <a:r>
-              <a:rPr lang="en-US" dirty="0" err="1"/>
-              <a:t>valeurs</a:t>
-            </a:r>
-            <a:r>
-              <a:rPr lang="en-US" dirty="0"/>
-              <a:t> possible</a:t>
-            </a:r>
-          </a:p>
-          <a:p>
-            <a:pPr marL="0" indent="0">
-              <a:buNone/>
-            </a:pPr>
-            <a:r>
-              <a:rPr lang="en-US" dirty="0" err="1"/>
-              <a:t>mock.Setup</a:t>
-            </a:r>
-            <a:r>
-              <a:rPr lang="en-US" dirty="0"/>
-              <a:t>(foo =&gt; </a:t>
-            </a:r>
-            <a:r>
-              <a:rPr lang="en-US" dirty="0" err="1"/>
-              <a:t>foo.DoSomething</a:t>
-            </a:r>
-            <a:r>
-              <a:rPr lang="en-US" dirty="0"/>
-              <a:t>(</a:t>
-            </a:r>
-            <a:r>
-              <a:rPr lang="en-US" dirty="0" err="1"/>
-              <a:t>It.IsAny</a:t>
-            </a:r>
-            <a:r>
-              <a:rPr lang="en-US" dirty="0"/>
-              <a:t>&lt;string&gt;())).Returns(true);</a:t>
-            </a:r>
-          </a:p>
-          <a:p>
-            <a:r>
-              <a:rPr lang="en-US" dirty="0" err="1"/>
-              <a:t>It.Is</a:t>
-            </a:r>
-            <a:endParaRPr lang="en-US" dirty="0"/>
-          </a:p>
-          <a:p>
-            <a:pPr lvl="1"/>
-            <a:r>
-              <a:rPr lang="en-US" dirty="0" err="1"/>
-              <a:t>Permet</a:t>
-            </a:r>
-            <a:r>
-              <a:rPr lang="en-US" dirty="0"/>
-              <a:t> de configure </a:t>
-            </a:r>
-            <a:r>
-              <a:rPr lang="en-US" dirty="0" err="1"/>
-              <a:t>une</a:t>
-            </a:r>
-            <a:r>
-              <a:rPr lang="en-US" dirty="0"/>
-              <a:t> </a:t>
-            </a:r>
-            <a:r>
-              <a:rPr lang="en-US" dirty="0" err="1"/>
-              <a:t>certaine</a:t>
-            </a:r>
-            <a:r>
-              <a:rPr lang="en-US" dirty="0"/>
-              <a:t> </a:t>
-            </a:r>
-            <a:r>
-              <a:rPr lang="en-US" dirty="0" err="1"/>
-              <a:t>plage</a:t>
-            </a:r>
-            <a:r>
-              <a:rPr lang="en-US" dirty="0"/>
-              <a:t> de </a:t>
-            </a:r>
-            <a:r>
-              <a:rPr lang="en-US" dirty="0" err="1"/>
-              <a:t>données</a:t>
-            </a:r>
-            <a:endParaRPr lang="en-US" dirty="0"/>
-          </a:p>
-          <a:p>
-            <a:pPr marL="0" indent="0">
-              <a:buNone/>
-            </a:pPr>
-            <a:r>
-              <a:rPr lang="en-US" dirty="0" err="1"/>
-              <a:t>mock.Setup</a:t>
-            </a:r>
-            <a:r>
-              <a:rPr lang="en-US" dirty="0"/>
-              <a:t>(foo =&gt; </a:t>
-            </a:r>
-            <a:r>
-              <a:rPr lang="en-US" dirty="0" err="1"/>
-              <a:t>foo.Add</a:t>
-            </a:r>
-            <a:r>
-              <a:rPr lang="en-US" dirty="0"/>
-              <a:t>(</a:t>
-            </a:r>
-            <a:r>
-              <a:rPr lang="en-US" dirty="0" err="1"/>
-              <a:t>It.Is</a:t>
-            </a:r>
-            <a:r>
-              <a:rPr lang="en-US" dirty="0"/>
-              <a:t>&lt;int&gt;(</a:t>
-            </a:r>
-            <a:r>
-              <a:rPr lang="en-US" dirty="0" err="1"/>
-              <a:t>i</a:t>
-            </a:r>
-            <a:r>
-              <a:rPr lang="en-US" dirty="0"/>
-              <a:t> =&gt; </a:t>
-            </a:r>
-            <a:r>
-              <a:rPr lang="en-US" dirty="0" err="1"/>
-              <a:t>i</a:t>
-            </a:r>
-            <a:r>
-              <a:rPr lang="en-US" dirty="0"/>
-              <a:t> % 2 == 0))).Returns(true);</a:t>
+            <a:r>
+              <a:rPr lang="fr-CA" dirty="0"/>
+              <a:t>&lt;</a:t>
+            </a:r>
+            <a:r>
+              <a:rPr lang="fr-CA" dirty="0" err="1"/>
+              <a:t>int</a:t>
+            </a:r>
+            <a:r>
+              <a:rPr lang="fr-CA" dirty="0"/>
+              <a:t>&gt;())).</a:t>
+            </a:r>
+            <a:r>
+              <a:rPr lang="fr-CA" dirty="0" err="1"/>
+              <a:t>Verifiable</a:t>
+            </a:r>
+            <a:r>
+              <a:rPr lang="fr-CA" dirty="0"/>
+              <a:t>();</a:t>
             </a:r>
           </a:p>
         </p:txBody>
@@ -6259,7 +6148,7 @@
     </p:spTree>
     <p:extLst>
       <p:ext uri="{BB962C8B-B14F-4D97-AF65-F5344CB8AC3E}">
-        <p14:creationId xmlns:p14="http://schemas.microsoft.com/office/powerpoint/2010/main" val="1172438509"/>
+        <p14:creationId xmlns:p14="http://schemas.microsoft.com/office/powerpoint/2010/main" val="4055194095"/>
       </p:ext>
     </p:extLst>
   </p:cSld>
@@ -6337,40 +6226,28 @@
           <a:p>
             <a:r>
               <a:rPr lang="fr-CA" dirty="0"/>
-              <a:t>Pour une fonction qui retourne </a:t>
-            </a:r>
-            <a:r>
-              <a:rPr lang="fr-CA" dirty="0" err="1"/>
-              <a:t>void</a:t>
-            </a:r>
-            <a:endParaRPr lang="fr-CA" dirty="0"/>
-          </a:p>
-          <a:p>
-            <a:r>
-              <a:rPr lang="fr-CA" dirty="0"/>
-              <a:t>Comme que le comportement par défaut est de rien faire lorsqu’un méthode de notre </a:t>
-            </a:r>
-            <a:r>
-              <a:rPr lang="fr-CA" dirty="0" err="1"/>
-              <a:t>mock</a:t>
-            </a:r>
-            <a:r>
-              <a:rPr lang="fr-CA" dirty="0"/>
-              <a:t> n’est pas configure, il n’est pas souvent nécessairement de configurer une méthode qui retourne </a:t>
-            </a:r>
-            <a:r>
-              <a:rPr lang="fr-CA" dirty="0" err="1"/>
-              <a:t>void</a:t>
-            </a:r>
-            <a:r>
-              <a:rPr lang="fr-CA" dirty="0"/>
-              <a:t> toutefois, c’est possible en utilisant .</a:t>
-            </a:r>
-            <a:r>
-              <a:rPr lang="fr-CA" dirty="0" err="1"/>
-              <a:t>Verifiable</a:t>
-            </a:r>
-            <a:endParaRPr lang="fr-CA" dirty="0"/>
+              <a:t>La méthode Callback</a:t>
+            </a:r>
+          </a:p>
+          <a:p>
+            <a:r>
+              <a:rPr lang="fr-CA" dirty="0"/>
+              <a:t>Permet d’exécuter du code lorsque la méthode est appelée</a:t>
+            </a:r>
+          </a:p>
+          <a:p>
+            <a:pPr lvl="1"/>
+            <a:r>
+              <a:rPr lang="fr-CA" dirty="0"/>
+              <a:t>Exemple, simuler une suppression</a:t>
+            </a:r>
+          </a:p>
+          <a:p>
+            <a:pPr lvl="1"/>
+            <a:r>
+              <a:rPr lang="fr-CA" dirty="0"/>
+              <a:t>Le callback enlève un élément de la liste</a:t>
+            </a:r>
           </a:p>
           <a:p>
             <a:pPr marL="0" indent="0">
@@ -6406,7 +6283,50 @@
             </a:r>
             <a:r>
               <a:rPr lang="fr-CA" dirty="0"/>
-              <a:t>&gt;())).</a:t>
+              <a:t>&gt;())).Callback((</a:t>
+            </a:r>
+            <a:r>
+              <a:rPr lang="fr-CA" dirty="0" err="1"/>
+              <a:t>int</a:t>
+            </a:r>
+            <a:r>
+              <a:rPr lang="fr-CA" dirty="0"/>
+              <a:t> id) =&gt;</a:t>
+            </a:r>
+          </a:p>
+          <a:p>
+            <a:pPr marL="0" indent="0">
+              <a:buNone/>
+            </a:pPr>
+            <a:r>
+              <a:rPr lang="fr-CA" dirty="0"/>
+              <a:t>{</a:t>
+            </a:r>
+          </a:p>
+          <a:p>
+            <a:pPr marL="0" indent="0">
+              <a:buNone/>
+            </a:pPr>
+            <a:r>
+              <a:rPr lang="fr-CA" dirty="0"/>
+              <a:t>	</a:t>
+            </a:r>
+            <a:r>
+              <a:rPr lang="fr-CA" dirty="0" err="1"/>
+              <a:t>allTrips.Remove</a:t>
+            </a:r>
+            <a:r>
+              <a:rPr lang="fr-CA" dirty="0"/>
+              <a:t>(trip);</a:t>
+            </a:r>
+          </a:p>
+          <a:p>
+            <a:pPr marL="0" indent="0">
+              <a:buNone/>
+            </a:pPr>
+            <a:r>
+              <a:rPr lang="fr-CA" dirty="0"/>
+              <a:t>}).</a:t>
             </a:r>
             <a:r>
               <a:rPr lang="fr-CA" dirty="0" err="1"/>
@@ -6422,7 +6342,7 @@
     </p:spTree>
     <p:extLst>
       <p:ext uri="{BB962C8B-B14F-4D97-AF65-F5344CB8AC3E}">
-        <p14:creationId xmlns:p14="http://schemas.microsoft.com/office/powerpoint/2010/main" val="4055194095"/>
+        <p14:creationId xmlns:p14="http://schemas.microsoft.com/office/powerpoint/2010/main" val="1690350258"/>
       </p:ext>
     </p:extLst>
   </p:cSld>
@@ -6500,27 +6420,18 @@
           <a:p>
             <a:r>
               <a:rPr lang="fr-CA" dirty="0"/>
-              <a:t>La méthode Callback</a:t>
-            </a:r>
-          </a:p>
-          <a:p>
-            <a:r>
-              <a:rPr lang="fr-CA" dirty="0"/>
-              <a:t>Permet d’exécuter du code lorsque la méthode est appelée</a:t>
-            </a:r>
-          </a:p>
-          <a:p>
-            <a:pPr lvl="1"/>
-            <a:r>
-              <a:rPr lang="fr-CA" dirty="0"/>
-              <a:t>Exemple, simuler une suppression</a:t>
-            </a:r>
-          </a:p>
-          <a:p>
-            <a:pPr lvl="1"/>
-            <a:r>
-              <a:rPr lang="fr-CA" dirty="0"/>
-              <a:t>Le callback enlève un élément de la liste</a:t>
+              <a:t>Utiliser notre </a:t>
+            </a:r>
+            <a:r>
+              <a:rPr lang="fr-CA" dirty="0" err="1"/>
+              <a:t>mock</a:t>
+            </a:r>
+            <a:endParaRPr lang="fr-CA" dirty="0"/>
+          </a:p>
+          <a:p>
+            <a:r>
+              <a:rPr lang="fr-CA" dirty="0"/>
+              <a:t>La propriété .Object contient l’objet de référence qu’on peut utiliser comme l’objet normal</a:t>
             </a:r>
           </a:p>
           <a:p>
@@ -6529,86 +6440,52 @@
             </a:pPr>
             <a:r>
               <a:rPr lang="fr-CA" dirty="0" err="1"/>
-              <a:t>tripsServiceMock.Setup</a:t>
-            </a:r>
-            <a:r>
-              <a:rPr lang="fr-CA" dirty="0"/>
-              <a:t>(s =&gt; </a:t>
-            </a:r>
+              <a:t>tripsServiceMock.Object.Delete</a:t>
+            </a:r>
+            <a:r>
+              <a:rPr lang="fr-CA" dirty="0"/>
+              <a:t>(1);</a:t>
+            </a:r>
+          </a:p>
+          <a:p>
+            <a:r>
+              <a:rPr lang="fr-CA" dirty="0"/>
+              <a:t>Appel la configuration qu’on a fait</a:t>
+            </a:r>
+          </a:p>
+          <a:p>
+            <a:pPr marL="0" indent="0">
+              <a:buNone/>
+            </a:pPr>
             <a:r>
               <a:rPr lang="fr-CA" dirty="0" err="1"/>
-              <a:t>s.Delete</a:t>
-            </a:r>
-            <a:r>
-              <a:rPr lang="fr-CA" dirty="0"/>
-              <a:t>(</a:t>
+              <a:t>tripsControllerMock.Object.Delete</a:t>
+            </a:r>
+            <a:r>
+              <a:rPr lang="fr-CA" dirty="0"/>
+              <a:t>()</a:t>
+            </a:r>
+          </a:p>
+          <a:p>
+            <a:r>
+              <a:rPr lang="fr-CA" dirty="0"/>
+              <a:t>Appel la vrai action </a:t>
             </a:r>
             <a:r>
               <a:rPr lang="fr-CA" dirty="0" err="1"/>
-              <a:t>It.IsAny</a:t>
-            </a:r>
-            <a:r>
-              <a:rPr lang="fr-CA" dirty="0"/>
-              <a:t>&lt;</a:t>
+              <a:t>Delete</a:t>
+            </a:r>
+            <a:r>
+              <a:rPr lang="fr-CA" dirty="0"/>
+              <a:t> de notre contrôleur car on avait utilisé l’option </a:t>
             </a:r>
             <a:r>
               <a:rPr lang="fr-CA" dirty="0" err="1"/>
-              <a:t>int</a:t>
-            </a:r>
-            <a:r>
-              <a:rPr lang="fr-CA" dirty="0"/>
-              <a:t>&gt;())).Callback((</a:t>
-            </a:r>
-            <a:r>
-              <a:rPr lang="fr-CA" dirty="0" err="1"/>
-              <a:t>int</a:t>
-            </a:r>
-            <a:r>
-              <a:rPr lang="fr-CA" dirty="0"/>
-              <a:t> id) =&gt;</a:t>
-            </a:r>
-          </a:p>
-          <a:p>
-            <a:pPr marL="0" indent="0">
-              <a:buNone/>
-            </a:pPr>
-            <a:r>
-              <a:rPr lang="fr-CA" dirty="0"/>
-              <a:t>{</a:t>
-            </a:r>
-          </a:p>
-          <a:p>
-            <a:pPr marL="0" indent="0">
-              <a:buNone/>
-            </a:pPr>
-            <a:r>
-              <a:rPr lang="fr-CA" dirty="0"/>
-              <a:t>	</a:t>
-            </a:r>
-            <a:r>
-              <a:rPr lang="fr-CA" dirty="0" err="1"/>
-              <a:t>allTrips.Remove</a:t>
-            </a:r>
-            <a:r>
-              <a:rPr lang="fr-CA" dirty="0"/>
-              <a:t>(trip);</a:t>
-            </a:r>
-          </a:p>
-          <a:p>
-            <a:pPr marL="0" indent="0">
-              <a:buNone/>
-            </a:pPr>
-            <a:r>
-              <a:rPr lang="fr-CA" dirty="0"/>
-              <a:t>}).</a:t>
-            </a:r>
-            <a:r>
-              <a:rPr lang="fr-CA" dirty="0" err="1"/>
-              <a:t>Verifiable</a:t>
-            </a:r>
-            <a:r>
-              <a:rPr lang="fr-CA" dirty="0"/>
-              <a:t>();</a:t>
+              <a:t>Callbase</a:t>
+            </a:r>
+            <a:r>
+              <a:rPr lang="fr-CA" dirty="0"/>
+              <a:t> lors de la création</a:t>
             </a:r>
           </a:p>
         </p:txBody>
@@ -6616,7 +6493,7 @@
     </p:spTree>
     <p:extLst>
       <p:ext uri="{BB962C8B-B14F-4D97-AF65-F5344CB8AC3E}">
-        <p14:creationId xmlns:p14="http://schemas.microsoft.com/office/powerpoint/2010/main" val="1690350258"/>
+        <p14:creationId xmlns:p14="http://schemas.microsoft.com/office/powerpoint/2010/main" val="1677394040"/>
       </p:ext>
     </p:extLst>
   </p:cSld>
@@ -6662,12 +6539,8 @@
           <a:lstStyle/>
           <a:p>
             <a:r>
-              <a:rPr lang="fr-CA" dirty="0" err="1"/>
-              <a:t>Moq</a:t>
-            </a:r>
-            <a:r>
-              <a:rPr lang="fr-CA" dirty="0"/>
-              <a:t> - Configuration</a:t>
+              <a:rPr lang="fr-CA" dirty="0"/>
+              <a:t>Bonne pratiques</a:t>
             </a:r>
           </a:p>
         </p:txBody>
@@ -6694,72 +6567,35 @@
           <a:p>
             <a:r>
               <a:rPr lang="fr-CA" dirty="0"/>
-              <a:t>Utiliser notre </a:t>
-            </a:r>
+              <a:t>Comment faire si une action contient le code suivant</a:t>
+            </a:r>
+          </a:p>
+          <a:p>
+            <a:pPr lvl="1"/>
             <a:r>
               <a:rPr lang="fr-CA" dirty="0" err="1"/>
-              <a:t>mock</a:t>
-            </a:r>
+              <a:t>User.FindFirstValue</a:t>
+            </a:r>
+            <a:r>
+              <a:rPr lang="fr-CA" dirty="0"/>
+              <a:t>(</a:t>
+            </a:r>
+            <a:r>
+              <a:rPr lang="fr-CA" dirty="0" err="1"/>
+              <a:t>ClaimTypes.NameIdentifier</a:t>
+            </a:r>
+            <a:r>
+              <a:rPr lang="fr-CA" dirty="0"/>
+              <a:t>)</a:t>
+            </a:r>
+          </a:p>
+          <a:p>
             <a:endParaRPr lang="fr-CA" dirty="0"/>
           </a:p>
           <a:p>
             <a:r>
               <a:rPr lang="fr-CA" dirty="0"/>
-              <a:t>La propriété .Object contient l’objet de référence qu’on peut utiliser comme l’objet normal</a:t>
-            </a:r>
-          </a:p>
-          <a:p>
-            <a:pPr marL="0" indent="0">
-              <a:buNone/>
-            </a:pPr>
-            <a:r>
-              <a:rPr lang="fr-CA" dirty="0" err="1"/>
-              <a:t>tripsServiceMock.Object.Delete</a:t>
-            </a:r>
-            <a:r>
-              <a:rPr lang="fr-CA" dirty="0"/>
-              <a:t>(1);</a:t>
-            </a:r>
-          </a:p>
-          <a:p>
-            <a:r>
-              <a:rPr lang="fr-CA" dirty="0"/>
-              <a:t>Appel la configuration qu’on a fait</a:t>
-            </a:r>
-          </a:p>
-          <a:p>
-            <a:pPr marL="0" indent="0">
-              <a:buNone/>
-            </a:pPr>
-            <a:r>
-              <a:rPr lang="fr-CA" dirty="0" err="1"/>
-              <a:t>tripsControllerMock.Object.Delete</a:t>
-            </a:r>
-            <a:r>
-              <a:rPr lang="fr-CA" dirty="0"/>
-              <a:t>()</a:t>
-            </a:r>
-          </a:p>
-          <a:p>
-            <a:r>
-              <a:rPr lang="fr-CA" dirty="0"/>
-              <a:t>Appel la vrai action </a:t>
-            </a:r>
-            <a:r>
-              <a:rPr lang="fr-CA" dirty="0" err="1"/>
-              <a:t>Delete</a:t>
-            </a:r>
-            <a:r>
-              <a:rPr lang="fr-CA" dirty="0"/>
-              <a:t> de notre contrôleur car on avait utilisé l’option </a:t>
-            </a:r>
-            <a:r>
-              <a:rPr lang="fr-CA" dirty="0" err="1"/>
-              <a:t>Callbase</a:t>
-            </a:r>
-            <a:r>
-              <a:rPr lang="fr-CA" dirty="0"/>
-              <a:t> lors de la création</a:t>
+              <a:t>Des idées?</a:t>
             </a:r>
           </a:p>
         </p:txBody>
@@ -6767,7 +6603,7 @@
     </p:spTree>
     <p:extLst>
       <p:ext uri="{BB962C8B-B14F-4D97-AF65-F5344CB8AC3E}">
-        <p14:creationId xmlns:p14="http://schemas.microsoft.com/office/powerpoint/2010/main" val="1677394040"/>
+        <p14:creationId xmlns:p14="http://schemas.microsoft.com/office/powerpoint/2010/main" val="388458891"/>
       </p:ext>
     </p:extLst>
   </p:cSld>
@@ -6814,7 +6650,7 @@
           <a:p>
             <a:r>
               <a:rPr lang="fr-CA" dirty="0"/>
-              <a:t>Bonne pratiques</a:t>
+              <a:t>Petit truc</a:t>
             </a:r>
           </a:p>
         </p:txBody>
@@ -6835,17 +6671,62 @@
         <p:spPr/>
         <p:txBody>
           <a:bodyPr>
-            <a:normAutofit/>
+            <a:normAutofit fontScale="77500" lnSpcReduction="20000"/>
           </a:bodyPr>
           <a:lstStyle/>
           <a:p>
             <a:r>
               <a:rPr lang="fr-CA" dirty="0"/>
-              <a:t>Comment faire si une action contient le code suivant</a:t>
+              <a:t>Étape 1 </a:t>
             </a:r>
           </a:p>
           <a:p>
             <a:pPr lvl="1"/>
+            <a:r>
+              <a:rPr lang="fr-CA" dirty="0"/>
+              <a:t>Faire une propriété pouvant être </a:t>
+            </a:r>
+            <a:r>
+              <a:rPr lang="fr-CA" dirty="0" err="1"/>
+              <a:t>mockée</a:t>
+            </a:r>
+            <a:r>
+              <a:rPr lang="fr-CA" dirty="0"/>
+              <a:t> dans notre contrôleur</a:t>
+            </a:r>
+          </a:p>
+          <a:p>
+            <a:pPr marL="0" indent="0">
+              <a:buNone/>
+            </a:pPr>
+            <a:r>
+              <a:rPr lang="fr-CA" dirty="0"/>
+              <a:t>Public </a:t>
+            </a:r>
+            <a:r>
+              <a:rPr lang="fr-CA" dirty="0" err="1"/>
+              <a:t>virtual</a:t>
+            </a:r>
+            <a:r>
+              <a:rPr lang="fr-CA" dirty="0"/>
+              <a:t> string </a:t>
+            </a:r>
+            <a:r>
+              <a:rPr lang="fr-CA" dirty="0" err="1"/>
+              <a:t>UserId</a:t>
+            </a:r>
+            <a:r>
+              <a:rPr lang="fr-CA" dirty="0"/>
+              <a:t> { </a:t>
+            </a:r>
+            <a:r>
+              <a:rPr lang="fr-CA" dirty="0" err="1"/>
+              <a:t>get</a:t>
+            </a:r>
+            <a:r>
+              <a:rPr lang="fr-CA" dirty="0"/>
+              <a:t> { return </a:t>
+            </a:r>
             <a:r>
               <a:rPr lang="fr-CA" dirty="0" err="1"/>
               <a:t>User.FindFirstValue</a:t>
@@ -6860,161 +6741,6 @@
             </a:r>
             <a:r>
               <a:rPr lang="fr-CA" dirty="0"/>
-              <a:t>)</a:t>
-            </a:r>
-          </a:p>
-          <a:p>
-            <a:endParaRPr lang="fr-CA" dirty="0"/>
-          </a:p>
-          <a:p>
-            <a:r>
-              <a:rPr lang="fr-CA" dirty="0"/>
-              <a:t>Des idées?</a:t>
-            </a:r>
-          </a:p>
-        </p:txBody>
-      </p:sp>
-    </p:spTree>
-    <p:extLst>
-      <p:ext uri="{BB962C8B-B14F-4D97-AF65-F5344CB8AC3E}">
-        <p14:creationId xmlns:p14="http://schemas.microsoft.com/office/powerpoint/2010/main" val="388458891"/>
-      </p:ext>
-    </p:extLst>
-  </p:cSld>
-  <p:clrMapOvr>
-    <a:masterClrMapping/>
-  </p:clrMapOvr>
-</p:sld>
-</file>
-
-<file path=ppt/slides/slide18.xml><?xml version="1.0" encoding="utf-8"?>
-<p:sld xmlns:a="http://schemas.openxmlformats.org/drawingml/2006/main" xmlns:r="http://schemas.openxmlformats.org/officeDocument/2006/relationships" xmlns:p="http://schemas.openxmlformats.org/presentationml/2006/main">
-  <p:cSld>
-    <p:spTree>
-      <p:nvGrpSpPr>
-        <p:cNvPr id="1" name=""/>
-        <p:cNvGrpSpPr/>
-        <p:nvPr/>
-      </p:nvGrpSpPr>
-      <p:grpSpPr>
-        <a:xfrm>
-          <a:off x="0" y="0"/>
-          <a:ext cx="0" cy="0"/>
-          <a:chOff x="0" y="0"/>
-          <a:chExt cx="0" cy="0"/>
-        </a:xfrm>
-      </p:grpSpPr>
-      <p:sp>
-        <p:nvSpPr>
-          <p:cNvPr id="2" name="Titre 1"/>
-          <p:cNvSpPr>
-            <a:spLocks noGrp="1"/>
-          </p:cNvSpPr>
-          <p:nvPr>
-            <p:ph type="title"/>
-            <p:custDataLst>
-              <p:tags r:id="rId1"/>
-            </p:custDataLst>
-          </p:nvPr>
-        </p:nvSpPr>
-        <p:spPr/>
-        <p:txBody>
-          <a:bodyPr/>
-          <a:lstStyle/>
-          <a:p>
-            <a:r>
-              <a:rPr lang="fr-CA" dirty="0"/>
-              <a:t>Petit truc</a:t>
-            </a:r>
-          </a:p>
-        </p:txBody>
-      </p:sp>
-      <p:sp>
-        <p:nvSpPr>
-          <p:cNvPr id="3" name="Espace réservé du contenu 2"/>
-          <p:cNvSpPr>
-            <a:spLocks noGrp="1"/>
-          </p:cNvSpPr>
-          <p:nvPr>
-            <p:ph idx="1"/>
-            <p:custDataLst>
-              <p:tags r:id="rId2"/>
-            </p:custDataLst>
-          </p:nvPr>
-        </p:nvSpPr>
-        <p:spPr/>
-        <p:txBody>
-          <a:bodyPr>
-            <a:normAutofit fontScale="77500" lnSpcReduction="20000"/>
-          </a:bodyPr>
-          <a:lstStyle/>
-          <a:p>
-            <a:r>
-              <a:rPr lang="fr-CA" dirty="0"/>
-              <a:t>Étape 1 </a:t>
-            </a:r>
-          </a:p>
-          <a:p>
-            <a:pPr lvl="1"/>
-            <a:r>
-              <a:rPr lang="fr-CA" dirty="0"/>
-              <a:t>Faire une propriété pouvant être </a:t>
-            </a:r>
-            <a:r>
-              <a:rPr lang="fr-CA" dirty="0" err="1"/>
-              <a:t>mockée</a:t>
-            </a:r>
-            <a:r>
-              <a:rPr lang="fr-CA" dirty="0"/>
-              <a:t> dans notre contrôleur</a:t>
-            </a:r>
-          </a:p>
-          <a:p>
-            <a:pPr marL="0" indent="0">
-              <a:buNone/>
-            </a:pPr>
-            <a:r>
-              <a:rPr lang="fr-CA" dirty="0"/>
-              <a:t>Public </a:t>
-            </a:r>
-            <a:r>
-              <a:rPr lang="fr-CA" dirty="0" err="1"/>
-              <a:t>virtual</a:t>
-            </a:r>
-            <a:r>
-              <a:rPr lang="fr-CA" dirty="0"/>
-              <a:t> string </a:t>
-            </a:r>
-            <a:r>
-              <a:rPr lang="fr-CA" dirty="0" err="1"/>
-              <a:t>UserId</a:t>
-            </a:r>
-            <a:r>
-              <a:rPr lang="fr-CA" dirty="0"/>
-              <a:t> { </a:t>
-            </a:r>
-            <a:r>
-              <a:rPr lang="fr-CA" dirty="0" err="1"/>
-              <a:t>get</a:t>
-            </a:r>
-            <a:r>
-              <a:rPr lang="fr-CA" dirty="0"/>
-              <a:t> { return </a:t>
-            </a:r>
-            <a:r>
-              <a:rPr lang="fr-CA" dirty="0" err="1"/>
-              <a:t>User.FindFirstValue</a:t>
-            </a:r>
-            <a:r>
-              <a:rPr lang="fr-CA" dirty="0"/>
-              <a:t>(</a:t>
-            </a:r>
-            <a:r>
-              <a:rPr lang="fr-CA" dirty="0" err="1"/>
-              <a:t>ClaimTypes.NameIdentifier</a:t>
-            </a:r>
-            <a:r>
-              <a:rPr lang="fr-CA" dirty="0"/>
               <a:t>)!; } }</a:t>
             </a:r>
           </a:p>
@@ -7036,23 +6762,7 @@
             </a:r>
             <a:r>
               <a:rPr lang="fr-CA" dirty="0"/>
-              <a:t> dans nos tests du contrôleur utilisant le vrai code (</a:t>
-            </a:r>
-            <a:r>
-              <a:rPr lang="fr-CA" dirty="0" err="1"/>
-              <a:t>CallBase</a:t>
-            </a:r>
-            <a:r>
-              <a:rPr lang="fr-CA" dirty="0"/>
-              <a:t> = </a:t>
-            </a:r>
-            <a:r>
-              <a:rPr lang="fr-CA" dirty="0" err="1"/>
-              <a:t>true</a:t>
-            </a:r>
-            <a:r>
-              <a:rPr lang="fr-CA" dirty="0"/>
-              <a:t> est la valeur par défaut)</a:t>
+              <a:t> dans nos tests du contrôleur utilisant le vrai code</a:t>
             </a:r>
           </a:p>
           <a:p>
@@ -7205,7 +6915,7 @@
 </p:sld>
 </file>
 
-<file path=ppt/slides/slide19.xml><?xml version="1.0" encoding="utf-8"?>
+<file path=ppt/slides/slide18.xml><?xml version="1.0" encoding="utf-8"?>
 <p:sld xmlns:a="http://schemas.openxmlformats.org/drawingml/2006/main" xmlns:r="http://schemas.openxmlformats.org/officeDocument/2006/relationships" xmlns:p="http://schemas.openxmlformats.org/presentationml/2006/main">
   <p:cSld>
     <p:spTree>
@@ -7450,15 +7160,7 @@
             <a:pPr lvl="1"/>
             <a:r>
               <a:rPr lang="fr-CA" dirty="0"/>
-              <a:t>L’API aura beaucoup plus de </a:t>
-            </a:r>
-            <a:r>
-              <a:rPr lang="fr-CA" dirty="0" err="1"/>
-              <a:t>traffic</a:t>
-            </a:r>
-            <a:r>
-              <a:rPr lang="fr-CA" dirty="0"/>
-              <a:t> que l’app MVC</a:t>
+              <a:t>L’API aura beaucoup plus de trafic que l’app MVC</a:t>
             </a:r>
           </a:p>
           <a:p>
@@ -8196,13 +7898,8 @@
           <a:p>
             <a:r>
               <a:rPr lang="fr-CA" dirty="0"/>
-              <a:t>Les </a:t>
-            </a:r>
-            <a:r>
-              <a:rPr lang="fr-CA" dirty="0" err="1"/>
-              <a:t>Mocks</a:t>
-            </a:r>
-            <a:endParaRPr lang="fr-CA" dirty="0"/>
+              <a:t>Installation</a:t>
+            </a:r>
           </a:p>
         </p:txBody>
       </p:sp>
@@ -8225,98 +7922,95 @@
           <a:lstStyle/>
           <a:p>
             <a:r>
-              <a:rPr lang="fr-CA" dirty="0"/>
-              <a:t>Il existe 2 types de </a:t>
-            </a:r>
-            <a:r>
-              <a:rPr lang="fr-CA" dirty="0" err="1"/>
-              <a:t>mocks</a:t>
-            </a:r>
-            <a:endParaRPr lang="fr-CA" dirty="0"/>
-          </a:p>
-          <a:p>
-            <a:r>
-              <a:rPr lang="fr-CA" dirty="0"/>
-              <a:t>Strict ou </a:t>
-            </a:r>
-            <a:r>
-              <a:rPr lang="fr-CA" dirty="0" err="1"/>
-              <a:t>True</a:t>
-            </a:r>
-            <a:r>
-              <a:rPr lang="fr-CA" dirty="0"/>
+              <a:rPr lang="en-US" dirty="0" err="1"/>
+              <a:t>Moq</a:t>
+            </a:r>
+            <a:r>
+              <a:rPr lang="en-US" dirty="0"/>
+              <a:t> se </a:t>
+            </a:r>
+            <a:r>
+              <a:rPr lang="en-US" dirty="0" err="1"/>
+              <a:t>retrouve</a:t>
+            </a:r>
+            <a:r>
+              <a:rPr lang="en-US" dirty="0"/>
               <a:t> </a:t>
             </a:r>
             <a:r>
-              <a:rPr lang="fr-CA" dirty="0" err="1"/>
-              <a:t>Mocks</a:t>
-            </a:r>
-            <a:endParaRPr lang="fr-CA" dirty="0"/>
-          </a:p>
-          <a:p>
-            <a:pPr lvl="1"/>
-            <a:r>
-              <a:rPr lang="fr-CA" dirty="0"/>
-              <a:t>Une exception est levée lors qu’on envoie quelque chose qui n’a pas été configuré</a:t>
-            </a:r>
-          </a:p>
-          <a:p>
-            <a:r>
-              <a:rPr lang="fr-CA" dirty="0" err="1"/>
-              <a:t>Loose</a:t>
-            </a:r>
-            <a:r>
-              <a:rPr lang="fr-CA" dirty="0"/>
+              <a:rPr lang="en-US" dirty="0" err="1"/>
+              <a:t>dans</a:t>
+            </a:r>
+            <a:r>
+              <a:rPr lang="en-US" dirty="0"/>
               <a:t> </a:t>
             </a:r>
             <a:r>
-              <a:rPr lang="fr-CA" dirty="0" err="1"/>
-              <a:t>Mocks</a:t>
-            </a:r>
-            <a:endParaRPr lang="fr-CA" dirty="0"/>
-          </a:p>
-          <a:p>
-            <a:pPr lvl="1"/>
-            <a:r>
-              <a:rPr lang="fr-CA" dirty="0"/>
-              <a:t>Ils ne lèvent jamais d’exception, ils retournent des valeurs par défaut ou des collections vides</a:t>
-            </a:r>
-          </a:p>
-          <a:p>
-            <a:pPr lvl="1"/>
-            <a:endParaRPr lang="fr-CA" dirty="0"/>
-          </a:p>
-          <a:p>
-            <a:r>
-              <a:rPr lang="fr-CA" dirty="0" err="1"/>
-              <a:t>Moq</a:t>
-            </a:r>
-            <a:r>
-              <a:rPr lang="fr-CA" dirty="0"/>
-              <a:t> qui permet de configurer un type ou l’autre</a:t>
-            </a:r>
-          </a:p>
-          <a:p>
-            <a:pPr lvl="1"/>
-            <a:r>
-              <a:rPr lang="fr-CA" dirty="0"/>
-              <a:t>Loose </a:t>
-            </a:r>
-            <a:r>
-              <a:rPr lang="fr-CA" dirty="0" err="1"/>
-              <a:t>Mocks</a:t>
-            </a:r>
-            <a:r>
-              <a:rPr lang="fr-CA" dirty="0"/>
-              <a:t> par défaut</a:t>
-            </a:r>
-          </a:p>
-        </p:txBody>
-      </p:sp>
+              <a:rPr lang="en-US" dirty="0" err="1"/>
+              <a:t>NuGet</a:t>
+            </a:r>
+            <a:endParaRPr lang="en-US" dirty="0"/>
+          </a:p>
+          <a:p>
+            <a:endParaRPr lang="en-US" dirty="0"/>
+          </a:p>
+          <a:p>
+            <a:endParaRPr lang="en-US" dirty="0"/>
+          </a:p>
+          <a:p>
+            <a:endParaRPr lang="en-US" dirty="0"/>
+          </a:p>
+          <a:p>
+            <a:endParaRPr lang="en-US" dirty="0"/>
+          </a:p>
+          <a:p>
+            <a:endParaRPr lang="en-US" dirty="0"/>
+          </a:p>
+          <a:p>
+            <a:endParaRPr lang="en-US" dirty="0"/>
+          </a:p>
+          <a:p>
+            <a:endParaRPr lang="en-US" dirty="0"/>
+          </a:p>
+        </p:txBody>
+      </p:sp>
+      <p:pic>
+        <p:nvPicPr>
+          <p:cNvPr id="5" name="Image 4"/>
+          <p:cNvPicPr>
+            <a:picLocks noChangeAspect="1"/>
+          </p:cNvPicPr>
+          <p:nvPr>
+            <p:custDataLst>
+              <p:tags r:id="rId3"/>
+            </p:custDataLst>
+          </p:nvPr>
+        </p:nvPicPr>
+        <p:blipFill rotWithShape="1">
+          <a:blip r:embed="rId5">
+            <a:extLst>
+              <a:ext uri="{28A0092B-C50C-407E-A947-70E740481C1C}">
+                <a14:useLocalDpi xmlns:a14="http://schemas.microsoft.com/office/drawing/2010/main" val="0"/>
+              </a:ext>
+            </a:extLst>
+          </a:blip>
+          <a:srcRect/>
+          <a:stretch/>
+        </p:blipFill>
+        <p:spPr>
+          <a:xfrm>
+            <a:off x="1774721" y="3064839"/>
+            <a:ext cx="8642555" cy="3598608"/>
+          </a:xfrm>
+          <a:prstGeom prst="rect">
+            <a:avLst/>
+          </a:prstGeom>
+        </p:spPr>
+      </p:pic>
     </p:spTree>
     <p:extLst>
       <p:ext uri="{BB962C8B-B14F-4D97-AF65-F5344CB8AC3E}">
-        <p14:creationId xmlns:p14="http://schemas.microsoft.com/office/powerpoint/2010/main" val="1972718469"/>
+        <p14:creationId xmlns:p14="http://schemas.microsoft.com/office/powerpoint/2010/main" val="2006609474"/>
       </p:ext>
     </p:extLst>
   </p:cSld>
@@ -8362,8 +8056,12 @@
           <a:lstStyle/>
           <a:p>
             <a:r>
-              <a:rPr lang="fr-CA" dirty="0"/>
-              <a:t>Installation</a:t>
+              <a:rPr lang="fr-CA" dirty="0" err="1"/>
+              <a:t>Moq</a:t>
+            </a:r>
+            <a:r>
+              <a:rPr lang="fr-CA" dirty="0"/>
+              <a:t> - Création</a:t>
             </a:r>
           </a:p>
         </p:txBody>
@@ -8383,99 +8081,155 @@
         </p:nvSpPr>
         <p:spPr/>
         <p:txBody>
-          <a:bodyPr/>
-          <a:lstStyle/>
-          <a:p>
+          <a:bodyPr>
+            <a:normAutofit/>
+          </a:bodyPr>
+          <a:lstStyle/>
+          <a:p>
+            <a:r>
+              <a:rPr lang="fr-CA" dirty="0"/>
+              <a:t>Créer un </a:t>
+            </a:r>
+            <a:r>
+              <a:rPr lang="fr-CA" dirty="0" err="1"/>
+              <a:t>mock</a:t>
+            </a:r>
+            <a:endParaRPr lang="fr-CA" dirty="0"/>
+          </a:p>
+          <a:p>
+            <a:pPr marL="0" indent="0">
+              <a:buNone/>
+            </a:pPr>
+            <a:r>
+              <a:rPr lang="fr-CA" dirty="0" err="1"/>
+              <a:t>Mock</a:t>
+            </a:r>
+            <a:r>
+              <a:rPr lang="fr-CA" dirty="0"/>
+              <a:t>&lt;</a:t>
+            </a:r>
+            <a:r>
+              <a:rPr lang="fr-CA" dirty="0" err="1"/>
+              <a:t>UsersService</a:t>
+            </a:r>
+            <a:r>
+              <a:rPr lang="fr-CA" dirty="0"/>
+              <a:t>&gt; </a:t>
+            </a:r>
+            <a:r>
+              <a:rPr lang="fr-CA" dirty="0" err="1"/>
+              <a:t>usersServiceMock</a:t>
+            </a:r>
+            <a:r>
+              <a:rPr lang="fr-CA" dirty="0"/>
+              <a:t> = new </a:t>
+            </a:r>
+            <a:r>
+              <a:rPr lang="fr-CA" dirty="0" err="1"/>
+              <a:t>Mock</a:t>
+            </a:r>
+            <a:r>
+              <a:rPr lang="fr-CA" dirty="0"/>
+              <a:t>&lt;</a:t>
+            </a:r>
+            <a:r>
+              <a:rPr lang="fr-CA" dirty="0" err="1"/>
+              <a:t>UsersService</a:t>
+            </a:r>
+            <a:r>
+              <a:rPr lang="fr-CA" dirty="0"/>
+              <a:t>&gt;();</a:t>
+            </a:r>
+          </a:p>
+          <a:p>
+            <a:r>
+              <a:rPr lang="fr-CA" dirty="0"/>
+              <a:t>Nous aurons donc un faux service qu’on pourra configurer</a:t>
+            </a:r>
+          </a:p>
+          <a:p>
+            <a:r>
+              <a:rPr lang="fr-CA" dirty="0"/>
+              <a:t>L’option </a:t>
+            </a:r>
+            <a:r>
+              <a:rPr lang="fr-CA" dirty="0" err="1"/>
+              <a:t>Callbase</a:t>
+            </a:r>
+            <a:r>
+              <a:rPr lang="fr-CA" dirty="0"/>
+              <a:t> permet de </a:t>
+            </a:r>
+            <a:r>
+              <a:rPr lang="fr-CA" dirty="0" err="1"/>
+              <a:t>mocker</a:t>
+            </a:r>
+            <a:r>
+              <a:rPr lang="fr-CA" dirty="0"/>
+              <a:t> seulement une partie une partie de l’objet et d’utiliser le code original pour tout le temps</a:t>
+            </a:r>
+          </a:p>
+          <a:p>
+            <a:pPr marL="0" indent="0">
+              <a:buNone/>
+            </a:pPr>
+            <a:r>
+              <a:rPr lang="en-US" dirty="0"/>
+              <a:t>Mock&lt;</a:t>
+            </a:r>
             <a:r>
               <a:rPr lang="en-US" dirty="0" err="1"/>
-              <a:t>Moq</a:t>
+              <a:t>TripsController</a:t>
             </a:r>
             <a:r>
               <a:rPr lang="en-US" dirty="0"/>
-              <a:t> se </a:t>
+              <a:t>&gt; </a:t>
             </a:r>
             <a:r>
               <a:rPr lang="en-US" dirty="0" err="1"/>
-              <a:t>retrouve</a:t>
+              <a:t>tripsControllerMock</a:t>
             </a:r>
             <a:r>
               <a:rPr lang="en-US" dirty="0"/>
-              <a:t> </a:t>
+              <a:t> = new Mock&lt;</a:t>
             </a:r>
             <a:r>
               <a:rPr lang="en-US" dirty="0" err="1"/>
-              <a:t>dans</a:t>
+              <a:t>TripsController</a:t>
             </a:r>
             <a:r>
               <a:rPr lang="en-US" dirty="0"/>
-              <a:t> </a:t>
+              <a:t>&gt;() { </a:t>
             </a:r>
             <a:r>
               <a:rPr lang="en-US" dirty="0" err="1"/>
-              <a:t>NuGet</a:t>
-            </a:r>
-            <a:endParaRPr lang="en-US" dirty="0"/>
-          </a:p>
-          <a:p>
-            <a:endParaRPr lang="en-US" dirty="0"/>
-          </a:p>
-          <a:p>
-            <a:endParaRPr lang="en-US" dirty="0"/>
-          </a:p>
-          <a:p>
-            <a:endParaRPr lang="en-US" dirty="0"/>
-          </a:p>
-          <a:p>
-            <a:endParaRPr lang="en-US" dirty="0"/>
-          </a:p>
-          <a:p>
-            <a:endParaRPr lang="en-US" dirty="0"/>
-          </a:p>
-          <a:p>
-            <a:endParaRPr lang="en-US" dirty="0"/>
-          </a:p>
-          <a:p>
-            <a:endParaRPr lang="en-US" dirty="0"/>
-          </a:p>
-        </p:txBody>
-      </p:sp>
-      <p:pic>
-        <p:nvPicPr>
-          <p:cNvPr id="5" name="Image 4"/>
-          <p:cNvPicPr>
-            <a:picLocks noChangeAspect="1"/>
-          </p:cNvPicPr>
-          <p:nvPr>
-            <p:custDataLst>
-              <p:tags r:id="rId3"/>
-            </p:custDataLst>
-          </p:nvPr>
-        </p:nvPicPr>
-        <p:blipFill rotWithShape="1">
-          <a:blip r:embed="rId5">
-            <a:extLst>
-              <a:ext uri="{28A0092B-C50C-407E-A947-70E740481C1C}">
-                <a14:useLocalDpi xmlns:a14="http://schemas.microsoft.com/office/drawing/2010/main" val="0"/>
-              </a:ext>
-            </a:extLst>
-          </a:blip>
-          <a:srcRect/>
-          <a:stretch/>
-        </p:blipFill>
-        <p:spPr>
-          <a:xfrm>
-            <a:off x="1774721" y="3064839"/>
-            <a:ext cx="8642555" cy="3598608"/>
-          </a:xfrm>
-          <a:prstGeom prst="rect">
-            <a:avLst/>
-          </a:prstGeom>
-        </p:spPr>
-      </p:pic>
+              <a:t>CallBase</a:t>
+            </a:r>
+            <a:r>
+              <a:rPr lang="en-US" dirty="0"/>
+              <a:t> = true };</a:t>
+            </a:r>
+          </a:p>
+          <a:p>
+            <a:r>
+              <a:rPr lang="fr-CA" dirty="0"/>
+              <a:t>Nous pourrons ainsi utiliser des </a:t>
+            </a:r>
+            <a:r>
+              <a:rPr lang="fr-CA" dirty="0" err="1"/>
+              <a:t>mocks</a:t>
+            </a:r>
+            <a:r>
+              <a:rPr lang="fr-CA" dirty="0"/>
+              <a:t> avec les services du contrôleur, mais appel les vrai actions de l’objet</a:t>
+            </a:r>
+          </a:p>
+        </p:txBody>
+      </p:sp>
     </p:spTree>
     <p:extLst>
       <p:ext uri="{BB962C8B-B14F-4D97-AF65-F5344CB8AC3E}">
-        <p14:creationId xmlns:p14="http://schemas.microsoft.com/office/powerpoint/2010/main" val="2006609474"/>
+        <p14:creationId xmlns:p14="http://schemas.microsoft.com/office/powerpoint/2010/main" val="636374389"/>
       </p:ext>
     </p:extLst>
   </p:cSld>
@@ -8535,19 +8289,19 @@
 
 <file path=ppt/tags/tag17.xml><?xml version="1.0" encoding="utf-8"?>
 <p:tagLst xmlns:a="http://schemas.openxmlformats.org/drawingml/2006/main" xmlns:r="http://schemas.openxmlformats.org/officeDocument/2006/relationships" xmlns:p="http://schemas.openxmlformats.org/presentationml/2006/main">
-  <p:tag name="NUM" val="1"/>
+  <p:tag name="NUM" val="3"/>
 </p:tagLst>
 </file>
 
 <file path=ppt/tags/tag18.xml><?xml version="1.0" encoding="utf-8"?>
 <p:tagLst xmlns:a="http://schemas.openxmlformats.org/drawingml/2006/main" xmlns:r="http://schemas.openxmlformats.org/officeDocument/2006/relationships" xmlns:p="http://schemas.openxmlformats.org/presentationml/2006/main">
-  <p:tag name="NUM" val="2"/>
+  <p:tag name="NUM" val="1"/>
 </p:tagLst>
 </file>
 
 <file path=ppt/tags/tag19.xml><?xml version="1.0" encoding="utf-8"?>
 <p:tagLst xmlns:a="http://schemas.openxmlformats.org/drawingml/2006/main" xmlns:r="http://schemas.openxmlformats.org/officeDocument/2006/relationships" xmlns:p="http://schemas.openxmlformats.org/presentationml/2006/main">
-  <p:tag name="NUM" val="3"/>
+  <p:tag name="NUM" val="2"/>
 </p:tagLst>
 </file>
 
@@ -8666,18 +8420,6 @@
 </file>
 
 <file path=ppt/tags/tag37.xml><?xml version="1.0" encoding="utf-8"?>
-<p:tagLst xmlns:a="http://schemas.openxmlformats.org/drawingml/2006/main" xmlns:r="http://schemas.openxmlformats.org/officeDocument/2006/relationships" xmlns:p="http://schemas.openxmlformats.org/presentationml/2006/main">
-  <p:tag name="NUM" val="2"/>
-</p:tagLst>
-</file>
-
-<file path=ppt/tags/tag38.xml><?xml version="1.0" encoding="utf-8"?>
-<p:tagLst xmlns:a="http://schemas.openxmlformats.org/drawingml/2006/main" xmlns:r="http://schemas.openxmlformats.org/officeDocument/2006/relationships" xmlns:p="http://schemas.openxmlformats.org/presentationml/2006/main">
-  <p:tag name="NUM" val="1"/>
-</p:tagLst>
-</file>
-
-<file path=ppt/tags/tag39.xml><?xml version="1.0" encoding="utf-8"?>
 <p:tagLst xmlns:a="http://schemas.openxmlformats.org/drawingml/2006/main" xmlns:r="http://schemas.openxmlformats.org/officeDocument/2006/relationships" xmlns:p="http://schemas.openxmlformats.org/presentationml/2006/main">
   <p:tag name="NUM" val="2"/>
 </p:tagLst>
